--- a/project2/report/Presentation_BigData.pptx
+++ b/project2/report/Presentation_BigData.pptx
@@ -329,7 +329,7 @@
             <a:fld id="{B61BEF0D-F0BB-DE4B-95CE-6DB70DBA9567}" type="datetimeFigureOut">
               <a:rPr lang="en-US" dirty="0"/>
               <a:pPr/>
-              <a:t>2/5/18</a:t>
+              <a:t>2/6/18</a:t>
             </a:fld>
             <a:endParaRPr lang="en-US" dirty="0"/>
           </a:p>
@@ -664,7 +664,7 @@
             <a:fld id="{B61BEF0D-F0BB-DE4B-95CE-6DB70DBA9567}" type="datetimeFigureOut">
               <a:rPr lang="en-US" dirty="0"/>
               <a:pPr/>
-              <a:t>2/5/18</a:t>
+              <a:t>2/6/18</a:t>
             </a:fld>
             <a:endParaRPr lang="en-US" dirty="0"/>
           </a:p>
@@ -1062,7 +1062,7 @@
             <a:fld id="{B61BEF0D-F0BB-DE4B-95CE-6DB70DBA9567}" type="datetimeFigureOut">
               <a:rPr lang="en-US" dirty="0"/>
               <a:pPr/>
-              <a:t>2/5/18</a:t>
+              <a:t>2/6/18</a:t>
             </a:fld>
             <a:endParaRPr lang="en-US" dirty="0"/>
           </a:p>
@@ -1395,7 +1395,7 @@
             <a:fld id="{B61BEF0D-F0BB-DE4B-95CE-6DB70DBA9567}" type="datetimeFigureOut">
               <a:rPr lang="en-US" dirty="0"/>
               <a:pPr/>
-              <a:t>2/5/18</a:t>
+              <a:t>2/6/18</a:t>
             </a:fld>
             <a:endParaRPr lang="en-US" dirty="0"/>
           </a:p>
@@ -1712,7 +1712,7 @@
             <a:fld id="{B61BEF0D-F0BB-DE4B-95CE-6DB70DBA9567}" type="datetimeFigureOut">
               <a:rPr lang="en-US" dirty="0"/>
               <a:pPr/>
-              <a:t>2/5/18</a:t>
+              <a:t>2/6/18</a:t>
             </a:fld>
             <a:endParaRPr lang="en-US" dirty="0"/>
           </a:p>
@@ -2105,7 +2105,7 @@
             <a:fld id="{B61BEF0D-F0BB-DE4B-95CE-6DB70DBA9567}" type="datetimeFigureOut">
               <a:rPr lang="en-US" dirty="0"/>
               <a:pPr/>
-              <a:t>2/5/18</a:t>
+              <a:t>2/6/18</a:t>
             </a:fld>
             <a:endParaRPr lang="en-US" dirty="0"/>
           </a:p>
@@ -2359,7 +2359,7 @@
             <a:fld id="{B61BEF0D-F0BB-DE4B-95CE-6DB70DBA9567}" type="datetimeFigureOut">
               <a:rPr lang="en-US" dirty="0"/>
               <a:pPr/>
-              <a:t>2/5/18</a:t>
+              <a:t>2/6/18</a:t>
             </a:fld>
             <a:endParaRPr lang="en-US" dirty="0"/>
           </a:p>
@@ -2618,7 +2618,7 @@
             <a:fld id="{B61BEF0D-F0BB-DE4B-95CE-6DB70DBA9567}" type="datetimeFigureOut">
               <a:rPr lang="en-US" dirty="0"/>
               <a:pPr/>
-              <a:t>2/5/18</a:t>
+              <a:t>2/6/18</a:t>
             </a:fld>
             <a:endParaRPr lang="en-US" dirty="0"/>
           </a:p>
@@ -2877,7 +2877,7 @@
             <a:fld id="{B61BEF0D-F0BB-DE4B-95CE-6DB70DBA9567}" type="datetimeFigureOut">
               <a:rPr lang="en-US" dirty="0"/>
               <a:pPr/>
-              <a:t>2/5/18</a:t>
+              <a:t>2/6/18</a:t>
             </a:fld>
             <a:endParaRPr lang="en-US" dirty="0"/>
           </a:p>
@@ -3203,7 +3203,7 @@
             <a:fld id="{B61BEF0D-F0BB-DE4B-95CE-6DB70DBA9567}" type="datetimeFigureOut">
               <a:rPr lang="en-US" dirty="0"/>
               <a:pPr/>
-              <a:t>2/5/18</a:t>
+              <a:t>2/6/18</a:t>
             </a:fld>
             <a:endParaRPr lang="en-US" dirty="0"/>
           </a:p>
@@ -3523,7 +3523,7 @@
             <a:fld id="{B61BEF0D-F0BB-DE4B-95CE-6DB70DBA9567}" type="datetimeFigureOut">
               <a:rPr lang="en-US" dirty="0"/>
               <a:pPr/>
-              <a:t>2/5/18</a:t>
+              <a:t>2/6/18</a:t>
             </a:fld>
             <a:endParaRPr lang="en-US" dirty="0"/>
           </a:p>
@@ -3977,7 +3977,7 @@
             <a:fld id="{B61BEF0D-F0BB-DE4B-95CE-6DB70DBA9567}" type="datetimeFigureOut">
               <a:rPr lang="en-US" dirty="0"/>
               <a:pPr/>
-              <a:t>2/5/18</a:t>
+              <a:t>2/6/18</a:t>
             </a:fld>
             <a:endParaRPr lang="en-US" dirty="0"/>
           </a:p>
@@ -4179,7 +4179,7 @@
             <a:fld id="{B61BEF0D-F0BB-DE4B-95CE-6DB70DBA9567}" type="datetimeFigureOut">
               <a:rPr lang="en-US" dirty="0"/>
               <a:pPr/>
-              <a:t>2/5/18</a:t>
+              <a:t>2/6/18</a:t>
             </a:fld>
             <a:endParaRPr lang="en-US" dirty="0"/>
           </a:p>
@@ -4353,7 +4353,7 @@
             <a:fld id="{B61BEF0D-F0BB-DE4B-95CE-6DB70DBA9567}" type="datetimeFigureOut">
               <a:rPr lang="en-US" dirty="0"/>
               <a:pPr/>
-              <a:t>2/5/18</a:t>
+              <a:t>2/6/18</a:t>
             </a:fld>
             <a:endParaRPr lang="en-US" dirty="0"/>
           </a:p>
@@ -4683,7 +4683,7 @@
             <a:fld id="{B61BEF0D-F0BB-DE4B-95CE-6DB70DBA9567}" type="datetimeFigureOut">
               <a:rPr lang="en-US" dirty="0"/>
               <a:pPr/>
-              <a:t>2/5/18</a:t>
+              <a:t>2/6/18</a:t>
             </a:fld>
             <a:endParaRPr lang="en-US" dirty="0"/>
           </a:p>
@@ -5025,7 +5025,7 @@
             <a:fld id="{B61BEF0D-F0BB-DE4B-95CE-6DB70DBA9567}" type="datetimeFigureOut">
               <a:rPr lang="en-US" dirty="0"/>
               <a:pPr/>
-              <a:t>2/5/18</a:t>
+              <a:t>2/6/18</a:t>
             </a:fld>
             <a:endParaRPr lang="en-US" dirty="0"/>
           </a:p>
@@ -7139,7 +7139,7 @@
             <a:fld id="{B61BEF0D-F0BB-DE4B-95CE-6DB70DBA9567}" type="datetimeFigureOut">
               <a:rPr lang="en-US" dirty="0"/>
               <a:pPr/>
-              <a:t>2/5/18</a:t>
+              <a:t>2/6/18</a:t>
             </a:fld>
             <a:endParaRPr lang="en-US" dirty="0"/>
           </a:p>
@@ -7927,49 +7927,33 @@
                 <a:ea typeface="Monaco" charset="0"/>
                 <a:cs typeface="Monaco" charset="0"/>
               </a:rPr>
-              <a:t>    </a:t>
-            </a:r>
-            <a:r>
-              <a:rPr lang="en-US" sz="1200" dirty="0">
+              <a:t>    	</a:t>
+            </a:r>
+            <a:r>
+              <a:rPr lang="en-US" sz="1200" dirty="0" smtClean="0">
                 <a:latin typeface="Monaco" charset="0"/>
                 <a:ea typeface="Monaco" charset="0"/>
                 <a:cs typeface="Monaco" charset="0"/>
               </a:rPr>
-              <a:t>	</a:t>
-            </a:r>
-            <a:r>
-              <a:rPr lang="en-US" sz="1200" dirty="0" smtClean="0">
+              <a:t>Method </a:t>
+            </a:r>
+            <a:r>
+              <a:rPr lang="en-US" sz="1200" dirty="0">
                 <a:latin typeface="Monaco" charset="0"/>
                 <a:ea typeface="Monaco" charset="0"/>
                 <a:cs typeface="Monaco" charset="0"/>
               </a:rPr>
-              <a:t>Method </a:t>
-            </a:r>
+              <a:t>Initialize()</a:t>
+            </a:r>
+          </a:p>
+          <a:p>
             <a:r>
               <a:rPr lang="en-US" sz="1200" dirty="0">
                 <a:latin typeface="Monaco" charset="0"/>
                 <a:ea typeface="Monaco" charset="0"/>
                 <a:cs typeface="Monaco" charset="0"/>
               </a:rPr>
-              <a:t>Initialize()</a:t>
-            </a:r>
-          </a:p>
-          <a:p>
-            <a:r>
-              <a:rPr lang="en-US" sz="1200" dirty="0">
-                <a:latin typeface="Monaco" charset="0"/>
-                <a:ea typeface="Monaco" charset="0"/>
-                <a:cs typeface="Monaco" charset="0"/>
-              </a:rPr>
-              <a:t>       </a:t>
-            </a:r>
-            <a:r>
-              <a:rPr lang="en-US" sz="1200" dirty="0">
-                <a:latin typeface="Monaco" charset="0"/>
-                <a:ea typeface="Monaco" charset="0"/>
-                <a:cs typeface="Monaco" charset="0"/>
-              </a:rPr>
-              <a:t>	</a:t>
+              <a:t>       	</a:t>
             </a:r>
             <a:r>
               <a:rPr lang="en-US" sz="1200" dirty="0" smtClean="0">
@@ -8026,57 +8010,57 @@
                 <a:ea typeface="Monaco" charset="0"/>
                 <a:cs typeface="Monaco" charset="0"/>
               </a:rPr>
-              <a:t>   </a:t>
-            </a:r>
-            <a:r>
-              <a:rPr lang="en-US" sz="1200" dirty="0">
+              <a:t>   	</a:t>
+            </a:r>
+            <a:r>
+              <a:rPr lang="en-US" sz="1200" dirty="0" smtClean="0">
                 <a:latin typeface="Monaco" charset="0"/>
                 <a:ea typeface="Monaco" charset="0"/>
                 <a:cs typeface="Monaco" charset="0"/>
               </a:rPr>
-              <a:t>	</a:t>
-            </a:r>
-            <a:r>
-              <a:rPr lang="en-US" sz="1200" dirty="0" smtClean="0">
+              <a:t>Method </a:t>
+            </a:r>
+            <a:r>
+              <a:rPr lang="en-US" sz="1200" dirty="0">
                 <a:latin typeface="Monaco" charset="0"/>
                 <a:ea typeface="Monaco" charset="0"/>
                 <a:cs typeface="Monaco" charset="0"/>
               </a:rPr>
-              <a:t>Method </a:t>
-            </a:r>
-            <a:r>
-              <a:rPr lang="en-US" sz="1200" dirty="0">
+              <a:t>map(</a:t>
+            </a:r>
+            <a:r>
+              <a:rPr lang="en-US" sz="1200" dirty="0" err="1">
                 <a:latin typeface="Monaco" charset="0"/>
                 <a:ea typeface="Monaco" charset="0"/>
                 <a:cs typeface="Monaco" charset="0"/>
               </a:rPr>
-              <a:t>map(</a:t>
-            </a:r>
-            <a:r>
-              <a:rPr lang="en-US" sz="1200" dirty="0" err="1">
+              <a:t>docid</a:t>
+            </a:r>
+            <a:r>
+              <a:rPr lang="en-US" sz="1200" dirty="0">
                 <a:latin typeface="Monaco" charset="0"/>
                 <a:ea typeface="Monaco" charset="0"/>
                 <a:cs typeface="Monaco" charset="0"/>
               </a:rPr>
-              <a:t>docid</a:t>
-            </a:r>
+              <a:t> a, doc d)</a:t>
+            </a:r>
+          </a:p>
+          <a:p>
             <a:r>
               <a:rPr lang="en-US" sz="1200" dirty="0">
                 <a:latin typeface="Monaco" charset="0"/>
                 <a:ea typeface="Monaco" charset="0"/>
                 <a:cs typeface="Monaco" charset="0"/>
               </a:rPr>
-              <a:t> a, doc d)</a:t>
-            </a:r>
-          </a:p>
-          <a:p>
-            <a:r>
-              <a:rPr lang="en-US" sz="1200" dirty="0">
+              <a:t>        	</a:t>
+            </a:r>
+            <a:r>
+              <a:rPr lang="en-US" sz="1200" dirty="0" smtClean="0">
                 <a:latin typeface="Monaco" charset="0"/>
                 <a:ea typeface="Monaco" charset="0"/>
                 <a:cs typeface="Monaco" charset="0"/>
               </a:rPr>
-              <a:t>        </a:t>
+              <a:t>for </a:t>
             </a:r>
             <a:r>
               <a:rPr lang="en-US" sz="1200" dirty="0">
@@ -8084,41 +8068,43 @@
                 <a:ea typeface="Monaco" charset="0"/>
                 <a:cs typeface="Monaco" charset="0"/>
               </a:rPr>
-              <a:t>	</a:t>
-            </a:r>
-            <a:r>
-              <a:rPr lang="en-US" sz="1200" dirty="0" smtClean="0">
+              <a:t>all w in d do:</a:t>
+            </a:r>
+          </a:p>
+          <a:p>
+            <a:r>
+              <a:rPr lang="en-US" sz="1200" dirty="0">
                 <a:latin typeface="Monaco" charset="0"/>
                 <a:ea typeface="Monaco" charset="0"/>
                 <a:cs typeface="Monaco" charset="0"/>
               </a:rPr>
-              <a:t>for </a:t>
-            </a:r>
-            <a:r>
-              <a:rPr lang="en-US" sz="1200" dirty="0">
+              <a:t>             	</a:t>
+            </a:r>
+            <a:r>
+              <a:rPr lang="en-US" sz="1200" dirty="0" smtClean="0">
                 <a:latin typeface="Monaco" charset="0"/>
                 <a:ea typeface="Monaco" charset="0"/>
                 <a:cs typeface="Monaco" charset="0"/>
               </a:rPr>
-              <a:t>all w in d do:</a:t>
-            </a:r>
-          </a:p>
-          <a:p>
+              <a:t>for </a:t>
+            </a:r>
             <a:r>
               <a:rPr lang="en-US" sz="1200" dirty="0">
                 <a:latin typeface="Monaco" charset="0"/>
                 <a:ea typeface="Monaco" charset="0"/>
                 <a:cs typeface="Monaco" charset="0"/>
               </a:rPr>
-              <a:t>             </a:t>
-            </a:r>
+              <a:t>all u in neighbors(w) do:</a:t>
+            </a:r>
+          </a:p>
+          <a:p>
             <a:r>
               <a:rPr lang="en-US" sz="1200" dirty="0">
                 <a:latin typeface="Monaco" charset="0"/>
                 <a:ea typeface="Monaco" charset="0"/>
                 <a:cs typeface="Monaco" charset="0"/>
               </a:rPr>
-              <a:t>	</a:t>
+              <a:t>                   	</a:t>
             </a:r>
             <a:r>
               <a:rPr lang="en-US" sz="1200" dirty="0" smtClean="0">
@@ -8126,7 +8112,7 @@
                 <a:ea typeface="Monaco" charset="0"/>
                 <a:cs typeface="Monaco" charset="0"/>
               </a:rPr>
-              <a:t>for </a:t>
+              <a:t>H</a:t>
             </a:r>
             <a:r>
               <a:rPr lang="en-US" sz="1200" dirty="0">
@@ -8134,17 +8120,15 @@
                 <a:ea typeface="Monaco" charset="0"/>
                 <a:cs typeface="Monaco" charset="0"/>
               </a:rPr>
-              <a:t>all u in neighbors(w) do:</a:t>
-            </a:r>
-          </a:p>
-          <a:p>
-            <a:r>
-              <a:rPr lang="en-US" sz="1200" dirty="0">
+              <a:t>{(</a:t>
+            </a:r>
+            <a:r>
+              <a:rPr lang="en-US" sz="1200" dirty="0" err="1">
                 <a:latin typeface="Monaco" charset="0"/>
                 <a:ea typeface="Monaco" charset="0"/>
                 <a:cs typeface="Monaco" charset="0"/>
               </a:rPr>
-              <a:t>                   </a:t>
+              <a:t>w,u</a:t>
             </a:r>
             <a:r>
               <a:rPr lang="en-US" sz="1200" dirty="0">
@@ -8152,39 +8136,43 @@
                 <a:ea typeface="Monaco" charset="0"/>
                 <a:cs typeface="Monaco" charset="0"/>
               </a:rPr>
-              <a:t>	</a:t>
-            </a:r>
-            <a:r>
-              <a:rPr lang="en-US" sz="1200" dirty="0" smtClean="0">
+              <a:t>)} ++</a:t>
+            </a:r>
+          </a:p>
+          <a:p>
+            <a:r>
+              <a:rPr lang="en-US" sz="1200" dirty="0">
                 <a:latin typeface="Monaco" charset="0"/>
                 <a:ea typeface="Monaco" charset="0"/>
                 <a:cs typeface="Monaco" charset="0"/>
               </a:rPr>
-              <a:t>H</a:t>
-            </a:r>
-            <a:r>
-              <a:rPr lang="en-US" sz="1200" dirty="0">
+              <a:t>                   	</a:t>
+            </a:r>
+            <a:r>
+              <a:rPr lang="en-US" sz="1200" dirty="0" smtClean="0">
                 <a:latin typeface="Monaco" charset="0"/>
                 <a:ea typeface="Monaco" charset="0"/>
                 <a:cs typeface="Monaco" charset="0"/>
               </a:rPr>
-              <a:t>{(</a:t>
-            </a:r>
-            <a:r>
-              <a:rPr lang="en-US" sz="1200" dirty="0" err="1">
+              <a:t>H</a:t>
+            </a:r>
+            <a:r>
+              <a:rPr lang="en-US" sz="1200" dirty="0">
                 <a:latin typeface="Monaco" charset="0"/>
                 <a:ea typeface="Monaco" charset="0"/>
                 <a:cs typeface="Monaco" charset="0"/>
               </a:rPr>
-              <a:t>w,u</a:t>
-            </a:r>
+              <a:t>{(w,*)} ++                </a:t>
+            </a:r>
+          </a:p>
+          <a:p>
             <a:r>
               <a:rPr lang="en-US" sz="1200" dirty="0">
                 <a:latin typeface="Monaco" charset="0"/>
                 <a:ea typeface="Monaco" charset="0"/>
                 <a:cs typeface="Monaco" charset="0"/>
               </a:rPr>
-              <a:t>)} ++</a:t>
+              <a:t> </a:t>
             </a:r>
           </a:p>
           <a:p>
@@ -8194,59 +8182,7 @@
                 <a:ea typeface="Monaco" charset="0"/>
                 <a:cs typeface="Monaco" charset="0"/>
               </a:rPr>
-              <a:t>                   </a:t>
-            </a:r>
-            <a:r>
-              <a:rPr lang="en-US" sz="1200" dirty="0">
-                <a:latin typeface="Monaco" charset="0"/>
-                <a:ea typeface="Monaco" charset="0"/>
-                <a:cs typeface="Monaco" charset="0"/>
-              </a:rPr>
-              <a:t>	</a:t>
-            </a:r>
-            <a:r>
-              <a:rPr lang="en-US" sz="1200" dirty="0" smtClean="0">
-                <a:latin typeface="Monaco" charset="0"/>
-                <a:ea typeface="Monaco" charset="0"/>
-                <a:cs typeface="Monaco" charset="0"/>
-              </a:rPr>
-              <a:t>H</a:t>
-            </a:r>
-            <a:r>
-              <a:rPr lang="en-US" sz="1200" dirty="0">
-                <a:latin typeface="Monaco" charset="0"/>
-                <a:ea typeface="Monaco" charset="0"/>
-                <a:cs typeface="Monaco" charset="0"/>
-              </a:rPr>
-              <a:t>{(w,*)} ++                </a:t>
-            </a:r>
-          </a:p>
-          <a:p>
-            <a:r>
-              <a:rPr lang="en-US" sz="1200" dirty="0">
-                <a:latin typeface="Monaco" charset="0"/>
-                <a:ea typeface="Monaco" charset="0"/>
-                <a:cs typeface="Monaco" charset="0"/>
-              </a:rPr>
-              <a:t> </a:t>
-            </a:r>
-          </a:p>
-          <a:p>
-            <a:r>
-              <a:rPr lang="en-US" sz="1200" dirty="0">
-                <a:latin typeface="Monaco" charset="0"/>
-                <a:ea typeface="Monaco" charset="0"/>
-                <a:cs typeface="Monaco" charset="0"/>
-              </a:rPr>
-              <a:t>   </a:t>
-            </a:r>
-            <a:r>
-              <a:rPr lang="en-US" sz="1200" dirty="0">
-                <a:latin typeface="Monaco" charset="0"/>
-                <a:ea typeface="Monaco" charset="0"/>
-                <a:cs typeface="Monaco" charset="0"/>
-              </a:rPr>
-              <a:t>	</a:t>
+              <a:t>   	</a:t>
             </a:r>
             <a:r>
               <a:rPr lang="en-US" sz="1200" dirty="0" smtClean="0">
@@ -8285,65 +8221,49 @@
                 <a:ea typeface="Monaco" charset="0"/>
                 <a:cs typeface="Monaco" charset="0"/>
               </a:rPr>
-              <a:t>        </a:t>
-            </a:r>
-            <a:r>
-              <a:rPr lang="en-US" sz="1200" dirty="0">
+              <a:t>        	</a:t>
+            </a:r>
+            <a:r>
+              <a:rPr lang="en-US" sz="1200" dirty="0" smtClean="0">
                 <a:latin typeface="Monaco" charset="0"/>
                 <a:ea typeface="Monaco" charset="0"/>
                 <a:cs typeface="Monaco" charset="0"/>
               </a:rPr>
-              <a:t>	</a:t>
-            </a:r>
-            <a:r>
-              <a:rPr lang="en-US" sz="1200" dirty="0" smtClean="0">
+              <a:t>for </a:t>
+            </a:r>
+            <a:r>
+              <a:rPr lang="en-US" sz="1200" dirty="0">
                 <a:latin typeface="Monaco" charset="0"/>
                 <a:ea typeface="Monaco" charset="0"/>
                 <a:cs typeface="Monaco" charset="0"/>
               </a:rPr>
-              <a:t>for </a:t>
-            </a:r>
-            <a:r>
-              <a:rPr lang="en-US" sz="1200" dirty="0">
+              <a:t>all pair(</a:t>
+            </a:r>
+            <a:r>
+              <a:rPr lang="en-US" sz="1200" dirty="0" err="1">
                 <a:latin typeface="Monaco" charset="0"/>
                 <a:ea typeface="Monaco" charset="0"/>
                 <a:cs typeface="Monaco" charset="0"/>
               </a:rPr>
-              <a:t>all pair(</a:t>
-            </a:r>
-            <a:r>
-              <a:rPr lang="en-US" sz="1200" dirty="0" err="1">
+              <a:t>w,u</a:t>
+            </a:r>
+            <a:r>
+              <a:rPr lang="en-US" sz="1200" dirty="0">
                 <a:latin typeface="Monaco" charset="0"/>
                 <a:ea typeface="Monaco" charset="0"/>
                 <a:cs typeface="Monaco" charset="0"/>
               </a:rPr>
-              <a:t>w,u</a:t>
-            </a:r>
+              <a:t>) in H do:</a:t>
+            </a:r>
+          </a:p>
+          <a:p>
             <a:r>
               <a:rPr lang="en-US" sz="1200" dirty="0">
                 <a:latin typeface="Monaco" charset="0"/>
                 <a:ea typeface="Monaco" charset="0"/>
                 <a:cs typeface="Monaco" charset="0"/>
               </a:rPr>
-              <a:t>) in H do:</a:t>
-            </a:r>
-          </a:p>
-          <a:p>
-            <a:r>
-              <a:rPr lang="en-US" sz="1200" dirty="0">
-                <a:latin typeface="Monaco" charset="0"/>
-                <a:ea typeface="Monaco" charset="0"/>
-                <a:cs typeface="Monaco" charset="0"/>
-              </a:rPr>
-              <a:t>             </a:t>
-            </a:r>
-            <a:r>
-              <a:rPr lang="en-US" sz="1200" dirty="0">
-                <a:latin typeface="Monaco" charset="0"/>
-                <a:ea typeface="Monaco" charset="0"/>
-                <a:cs typeface="Monaco" charset="0"/>
-              </a:rPr>
-              <a:t>	</a:t>
+              <a:t>             	</a:t>
             </a:r>
             <a:r>
               <a:rPr lang="en-US" sz="1200" dirty="0" smtClean="0">
@@ -8458,31 +8378,33 @@
                 <a:ea typeface="Monaco" charset="0"/>
                 <a:cs typeface="Monaco" charset="0"/>
               </a:rPr>
-              <a:t>        </a:t>
-            </a:r>
-            <a:r>
-              <a:rPr lang="en-US" sz="1200" dirty="0">
+              <a:t>        	</a:t>
+            </a:r>
+            <a:r>
+              <a:rPr lang="en-US" sz="1200" dirty="0" smtClean="0">
                 <a:latin typeface="Monaco" charset="0"/>
                 <a:ea typeface="Monaco" charset="0"/>
                 <a:cs typeface="Monaco" charset="0"/>
               </a:rPr>
-              <a:t>	</a:t>
-            </a:r>
-            <a:r>
-              <a:rPr lang="en-US" sz="1200" dirty="0" smtClean="0">
+              <a:t>total </a:t>
+            </a:r>
+            <a:r>
+              <a:rPr lang="en-US" sz="1200" dirty="0">
                 <a:latin typeface="Monaco" charset="0"/>
                 <a:ea typeface="Monaco" charset="0"/>
                 <a:cs typeface="Monaco" charset="0"/>
               </a:rPr>
-              <a:t>total </a:t>
-            </a:r>
+              <a:t>= 0;                          </a:t>
+            </a:r>
+          </a:p>
+          <a:p>
             <a:r>
               <a:rPr lang="en-US" sz="1200" dirty="0">
                 <a:latin typeface="Monaco" charset="0"/>
                 <a:ea typeface="Monaco" charset="0"/>
                 <a:cs typeface="Monaco" charset="0"/>
               </a:rPr>
-              <a:t>= 0;                          </a:t>
+              <a:t> </a:t>
             </a:r>
           </a:p>
           <a:p>
@@ -8492,25 +8414,7 @@
                 <a:ea typeface="Monaco" charset="0"/>
                 <a:cs typeface="Monaco" charset="0"/>
               </a:rPr>
-              <a:t> </a:t>
-            </a:r>
-          </a:p>
-          <a:p>
-            <a:r>
-              <a:rPr lang="en-US" sz="1200" dirty="0">
-                <a:latin typeface="Monaco" charset="0"/>
-                <a:ea typeface="Monaco" charset="0"/>
-                <a:cs typeface="Monaco" charset="0"/>
-              </a:rPr>
-              <a:t>   </a:t>
-            </a:r>
-            <a:r>
-              <a:rPr lang="en-US" sz="1200" dirty="0">
-                <a:latin typeface="Monaco" charset="0"/>
-                <a:ea typeface="Monaco" charset="0"/>
-                <a:cs typeface="Monaco" charset="0"/>
-              </a:rPr>
-              <a:t>	</a:t>
+              <a:t>   	</a:t>
             </a:r>
             <a:r>
               <a:rPr lang="en-US" sz="1200" dirty="0" smtClean="0">
@@ -8549,41 +8453,41 @@
                 <a:ea typeface="Monaco" charset="0"/>
                 <a:cs typeface="Monaco" charset="0"/>
               </a:rPr>
-              <a:t>         </a:t>
-            </a:r>
-            <a:r>
-              <a:rPr lang="en-US" sz="1200" dirty="0">
+              <a:t>         	</a:t>
+            </a:r>
+            <a:r>
+              <a:rPr lang="en-US" sz="1200" dirty="0" smtClean="0">
                 <a:latin typeface="Monaco" charset="0"/>
                 <a:ea typeface="Monaco" charset="0"/>
                 <a:cs typeface="Monaco" charset="0"/>
               </a:rPr>
-              <a:t>	</a:t>
-            </a:r>
-            <a:r>
-              <a:rPr lang="en-US" sz="1200" dirty="0" smtClean="0">
+              <a:t>s </a:t>
+            </a:r>
+            <a:r>
+              <a:rPr lang="en-US" sz="1200" dirty="0">
                 <a:latin typeface="Monaco" charset="0"/>
                 <a:ea typeface="Monaco" charset="0"/>
                 <a:cs typeface="Monaco" charset="0"/>
               </a:rPr>
-              <a:t>s </a:t>
-            </a:r>
+              <a:t>= 0</a:t>
+            </a:r>
+          </a:p>
+          <a:p>
             <a:r>
               <a:rPr lang="en-US" sz="1200" dirty="0">
                 <a:latin typeface="Monaco" charset="0"/>
                 <a:ea typeface="Monaco" charset="0"/>
                 <a:cs typeface="Monaco" charset="0"/>
               </a:rPr>
-              <a:t>= 0</a:t>
-            </a:r>
-          </a:p>
-          <a:p>
-            <a:r>
-              <a:rPr lang="en-US" sz="1200" dirty="0">
+              <a:t>         	</a:t>
+            </a:r>
+            <a:r>
+              <a:rPr lang="en-US" sz="1200" dirty="0" smtClean="0">
                 <a:latin typeface="Monaco" charset="0"/>
                 <a:ea typeface="Monaco" charset="0"/>
                 <a:cs typeface="Monaco" charset="0"/>
               </a:rPr>
-              <a:t>         </a:t>
+              <a:t>for </a:t>
             </a:r>
             <a:r>
               <a:rPr lang="en-US" sz="1200" dirty="0">
@@ -8591,41 +8495,43 @@
                 <a:ea typeface="Monaco" charset="0"/>
                 <a:cs typeface="Monaco" charset="0"/>
               </a:rPr>
-              <a:t>	</a:t>
-            </a:r>
-            <a:r>
-              <a:rPr lang="en-US" sz="1200" dirty="0" smtClean="0">
+              <a:t>all c in counts[c1,c2…] do</a:t>
+            </a:r>
+          </a:p>
+          <a:p>
+            <a:r>
+              <a:rPr lang="en-US" sz="1200" dirty="0">
                 <a:latin typeface="Monaco" charset="0"/>
                 <a:ea typeface="Monaco" charset="0"/>
                 <a:cs typeface="Monaco" charset="0"/>
               </a:rPr>
-              <a:t>for </a:t>
-            </a:r>
-            <a:r>
-              <a:rPr lang="en-US" sz="1200" dirty="0">
+              <a:t>           	</a:t>
+            </a:r>
+            <a:r>
+              <a:rPr lang="en-US" sz="1200" dirty="0" smtClean="0">
                 <a:latin typeface="Monaco" charset="0"/>
                 <a:ea typeface="Monaco" charset="0"/>
                 <a:cs typeface="Monaco" charset="0"/>
               </a:rPr>
-              <a:t>all c in counts[c1,c2…] do</a:t>
-            </a:r>
-          </a:p>
-          <a:p>
+              <a:t>s </a:t>
+            </a:r>
             <a:r>
               <a:rPr lang="en-US" sz="1200" dirty="0">
                 <a:latin typeface="Monaco" charset="0"/>
                 <a:ea typeface="Monaco" charset="0"/>
                 <a:cs typeface="Monaco" charset="0"/>
               </a:rPr>
-              <a:t>           </a:t>
-            </a:r>
+              <a:t>= s + c</a:t>
+            </a:r>
+          </a:p>
+          <a:p>
             <a:r>
               <a:rPr lang="en-US" sz="1200" dirty="0">
                 <a:latin typeface="Monaco" charset="0"/>
                 <a:ea typeface="Monaco" charset="0"/>
                 <a:cs typeface="Monaco" charset="0"/>
               </a:rPr>
-              <a:t>	</a:t>
+              <a:t>          </a:t>
             </a:r>
             <a:r>
               <a:rPr lang="en-US" sz="1200" dirty="0" smtClean="0">
@@ -8633,7 +8539,7 @@
                 <a:ea typeface="Monaco" charset="0"/>
                 <a:cs typeface="Monaco" charset="0"/>
               </a:rPr>
-              <a:t>s </a:t>
+              <a:t>if </a:t>
             </a:r>
             <a:r>
               <a:rPr lang="en-US" sz="1200" dirty="0">
@@ -8641,41 +8547,41 @@
                 <a:ea typeface="Monaco" charset="0"/>
                 <a:cs typeface="Monaco" charset="0"/>
               </a:rPr>
-              <a:t>= s + c</a:t>
-            </a:r>
-          </a:p>
-          <a:p>
-            <a:r>
-              <a:rPr lang="en-US" sz="1200" dirty="0">
+              <a:t>(</a:t>
+            </a:r>
+            <a:r>
+              <a:rPr lang="en-US" sz="1200" dirty="0" err="1">
                 <a:latin typeface="Monaco" charset="0"/>
                 <a:ea typeface="Monaco" charset="0"/>
                 <a:cs typeface="Monaco" charset="0"/>
               </a:rPr>
-              <a:t>          </a:t>
-            </a:r>
-            <a:r>
-              <a:rPr lang="en-US" sz="1200" dirty="0" smtClean="0">
+              <a:t>p.left</a:t>
+            </a:r>
+            <a:r>
+              <a:rPr lang="en-US" sz="1200" dirty="0">
                 <a:latin typeface="Monaco" charset="0"/>
                 <a:ea typeface="Monaco" charset="0"/>
                 <a:cs typeface="Monaco" charset="0"/>
               </a:rPr>
-              <a:t>if </a:t>
-            </a:r>
+              <a:t> == "*")</a:t>
+            </a:r>
+          </a:p>
+          <a:p>
             <a:r>
               <a:rPr lang="en-US" sz="1200" dirty="0">
                 <a:latin typeface="Monaco" charset="0"/>
                 <a:ea typeface="Monaco" charset="0"/>
                 <a:cs typeface="Monaco" charset="0"/>
               </a:rPr>
-              <a:t>(</a:t>
-            </a:r>
-            <a:r>
-              <a:rPr lang="en-US" sz="1200" dirty="0" err="1">
+              <a:t>           	</a:t>
+            </a:r>
+            <a:r>
+              <a:rPr lang="en-US" sz="1200" dirty="0" smtClean="0">
                 <a:latin typeface="Monaco" charset="0"/>
                 <a:ea typeface="Monaco" charset="0"/>
                 <a:cs typeface="Monaco" charset="0"/>
               </a:rPr>
-              <a:t>p.left</a:t>
+              <a:t>total </a:t>
             </a:r>
             <a:r>
               <a:rPr lang="en-US" sz="1200" dirty="0">
@@ -8683,7 +8589,7 @@
                 <a:ea typeface="Monaco" charset="0"/>
                 <a:cs typeface="Monaco" charset="0"/>
               </a:rPr>
-              <a:t> == "*")</a:t>
+              <a:t>= s;</a:t>
             </a:r>
           </a:p>
           <a:p>
@@ -8693,49 +8599,7 @@
                 <a:ea typeface="Monaco" charset="0"/>
                 <a:cs typeface="Monaco" charset="0"/>
               </a:rPr>
-              <a:t>           </a:t>
-            </a:r>
-            <a:r>
-              <a:rPr lang="en-US" sz="1200" dirty="0">
-                <a:latin typeface="Monaco" charset="0"/>
-                <a:ea typeface="Monaco" charset="0"/>
-                <a:cs typeface="Monaco" charset="0"/>
-              </a:rPr>
-              <a:t>	</a:t>
-            </a:r>
-            <a:r>
-              <a:rPr lang="en-US" sz="1200" dirty="0" smtClean="0">
-                <a:latin typeface="Monaco" charset="0"/>
-                <a:ea typeface="Monaco" charset="0"/>
-                <a:cs typeface="Monaco" charset="0"/>
-              </a:rPr>
-              <a:t>total </a:t>
-            </a:r>
-            <a:r>
-              <a:rPr lang="en-US" sz="1200" dirty="0">
-                <a:latin typeface="Monaco" charset="0"/>
-                <a:ea typeface="Monaco" charset="0"/>
-                <a:cs typeface="Monaco" charset="0"/>
-              </a:rPr>
-              <a:t>= s;</a:t>
-            </a:r>
-          </a:p>
-          <a:p>
-            <a:r>
-              <a:rPr lang="en-US" sz="1200" dirty="0">
-                <a:latin typeface="Monaco" charset="0"/>
-                <a:ea typeface="Monaco" charset="0"/>
-                <a:cs typeface="Monaco" charset="0"/>
-              </a:rPr>
-              <a:t>         </a:t>
-            </a:r>
-            <a:r>
-              <a:rPr lang="en-US" sz="1200" dirty="0">
-                <a:latin typeface="Monaco" charset="0"/>
-                <a:ea typeface="Monaco" charset="0"/>
-                <a:cs typeface="Monaco" charset="0"/>
-              </a:rPr>
-              <a:t>	</a:t>
+              <a:t>         	</a:t>
             </a:r>
             <a:r>
               <a:rPr lang="en-US" sz="1200" dirty="0" smtClean="0">
@@ -8758,15 +8622,7 @@
                 <a:ea typeface="Monaco" charset="0"/>
                 <a:cs typeface="Monaco" charset="0"/>
               </a:rPr>
-              <a:t>            </a:t>
-            </a:r>
-            <a:r>
-              <a:rPr lang="en-US" sz="1200" dirty="0">
-                <a:latin typeface="Monaco" charset="0"/>
-                <a:ea typeface="Monaco" charset="0"/>
-                <a:cs typeface="Monaco" charset="0"/>
-              </a:rPr>
-              <a:t>	</a:t>
+              <a:t>            	</a:t>
             </a:r>
             <a:r>
               <a:rPr lang="en-US" sz="1200" dirty="0" smtClean="0">
@@ -12950,11 +12806,7 @@
           <a:p>
             <a:r>
               <a:rPr lang="vi-VN" sz="1100" dirty="0" smtClean="0"/>
-              <a:t>File </a:t>
-            </a:r>
-            <a:r>
-              <a:rPr lang="vi-VN" sz="1100" dirty="0" smtClean="0"/>
-              <a:t>1</a:t>
+              <a:t>File 1</a:t>
             </a:r>
             <a:endParaRPr lang="vi-VN" sz="1100" dirty="0"/>
           </a:p>
@@ -13199,49 +13051,33 @@
                 <a:ea typeface="Monaco" charset="0"/>
                 <a:cs typeface="Monaco" charset="0"/>
               </a:rPr>
-              <a:t>   </a:t>
-            </a:r>
-            <a:r>
-              <a:rPr lang="en-US" sz="1100" dirty="0">
+              <a:t>   	</a:t>
+            </a:r>
+            <a:r>
+              <a:rPr lang="en-US" sz="1100" dirty="0" smtClean="0">
                 <a:latin typeface="Monaco" charset="0"/>
                 <a:ea typeface="Monaco" charset="0"/>
                 <a:cs typeface="Monaco" charset="0"/>
               </a:rPr>
-              <a:t>	</a:t>
-            </a:r>
-            <a:r>
-              <a:rPr lang="en-US" sz="1100" dirty="0" smtClean="0">
+              <a:t>Method </a:t>
+            </a:r>
+            <a:r>
+              <a:rPr lang="en-US" sz="1100" dirty="0">
                 <a:latin typeface="Monaco" charset="0"/>
                 <a:ea typeface="Monaco" charset="0"/>
                 <a:cs typeface="Monaco" charset="0"/>
               </a:rPr>
-              <a:t>Method </a:t>
-            </a:r>
+              <a:t>Initialize()</a:t>
+            </a:r>
+          </a:p>
+          <a:p>
             <a:r>
               <a:rPr lang="en-US" sz="1100" dirty="0">
                 <a:latin typeface="Monaco" charset="0"/>
                 <a:ea typeface="Monaco" charset="0"/>
                 <a:cs typeface="Monaco" charset="0"/>
               </a:rPr>
-              <a:t>Initialize()</a:t>
-            </a:r>
-          </a:p>
-          <a:p>
-            <a:r>
-              <a:rPr lang="en-US" sz="1100" dirty="0">
-                <a:latin typeface="Monaco" charset="0"/>
-                <a:ea typeface="Monaco" charset="0"/>
-                <a:cs typeface="Monaco" charset="0"/>
-              </a:rPr>
-              <a:t>         </a:t>
-            </a:r>
-            <a:r>
-              <a:rPr lang="en-US" sz="1100" dirty="0">
-                <a:latin typeface="Monaco" charset="0"/>
-                <a:ea typeface="Monaco" charset="0"/>
-                <a:cs typeface="Monaco" charset="0"/>
-              </a:rPr>
-              <a:t>	</a:t>
+              <a:t>         	</a:t>
             </a:r>
             <a:r>
               <a:rPr lang="en-US" sz="1100" dirty="0" smtClean="0">
@@ -13298,57 +13134,57 @@
                 <a:ea typeface="Monaco" charset="0"/>
                 <a:cs typeface="Monaco" charset="0"/>
               </a:rPr>
-              <a:t>    </a:t>
-            </a:r>
-            <a:r>
-              <a:rPr lang="en-US" sz="1100" dirty="0">
+              <a:t>    	</a:t>
+            </a:r>
+            <a:r>
+              <a:rPr lang="en-US" sz="1100" dirty="0" smtClean="0">
                 <a:latin typeface="Monaco" charset="0"/>
                 <a:ea typeface="Monaco" charset="0"/>
                 <a:cs typeface="Monaco" charset="0"/>
               </a:rPr>
-              <a:t>	</a:t>
-            </a:r>
-            <a:r>
-              <a:rPr lang="en-US" sz="1100" dirty="0" smtClean="0">
+              <a:t>Method </a:t>
+            </a:r>
+            <a:r>
+              <a:rPr lang="en-US" sz="1100" dirty="0">
                 <a:latin typeface="Monaco" charset="0"/>
                 <a:ea typeface="Monaco" charset="0"/>
                 <a:cs typeface="Monaco" charset="0"/>
               </a:rPr>
-              <a:t>Method </a:t>
-            </a:r>
-            <a:r>
-              <a:rPr lang="en-US" sz="1100" dirty="0">
+              <a:t>map(</a:t>
+            </a:r>
+            <a:r>
+              <a:rPr lang="en-US" sz="1100" dirty="0" err="1">
                 <a:latin typeface="Monaco" charset="0"/>
                 <a:ea typeface="Monaco" charset="0"/>
                 <a:cs typeface="Monaco" charset="0"/>
               </a:rPr>
-              <a:t>map(</a:t>
-            </a:r>
-            <a:r>
-              <a:rPr lang="en-US" sz="1100" dirty="0" err="1">
+              <a:t>docid</a:t>
+            </a:r>
+            <a:r>
+              <a:rPr lang="en-US" sz="1100" dirty="0">
                 <a:latin typeface="Monaco" charset="0"/>
                 <a:ea typeface="Monaco" charset="0"/>
                 <a:cs typeface="Monaco" charset="0"/>
               </a:rPr>
-              <a:t>docid</a:t>
-            </a:r>
+              <a:t> a, doc d)</a:t>
+            </a:r>
+          </a:p>
+          <a:p>
             <a:r>
               <a:rPr lang="en-US" sz="1100" dirty="0">
                 <a:latin typeface="Monaco" charset="0"/>
                 <a:ea typeface="Monaco" charset="0"/>
                 <a:cs typeface="Monaco" charset="0"/>
               </a:rPr>
-              <a:t> a, doc d)</a:t>
-            </a:r>
-          </a:p>
-          <a:p>
-            <a:r>
-              <a:rPr lang="en-US" sz="1100" dirty="0">
+              <a:t>         	</a:t>
+            </a:r>
+            <a:r>
+              <a:rPr lang="en-US" sz="1100" dirty="0" smtClean="0">
                 <a:latin typeface="Monaco" charset="0"/>
                 <a:ea typeface="Monaco" charset="0"/>
                 <a:cs typeface="Monaco" charset="0"/>
               </a:rPr>
-              <a:t>         </a:t>
+              <a:t>for </a:t>
             </a:r>
             <a:r>
               <a:rPr lang="en-US" sz="1100" dirty="0">
@@ -13356,7 +13192,7 @@
                 <a:ea typeface="Monaco" charset="0"/>
                 <a:cs typeface="Monaco" charset="0"/>
               </a:rPr>
-              <a:t>	</a:t>
+              <a:t>all w in d </a:t>
             </a:r>
             <a:r>
               <a:rPr lang="en-US" sz="1100" dirty="0" smtClean="0">
@@ -13364,7 +13200,7 @@
                 <a:ea typeface="Monaco" charset="0"/>
                 <a:cs typeface="Monaco" charset="0"/>
               </a:rPr>
-              <a:t>for </a:t>
+              <a:t>do</a:t>
             </a:r>
             <a:r>
               <a:rPr lang="en-US" sz="1100" dirty="0">
@@ -13372,41 +13208,41 @@
                 <a:ea typeface="Monaco" charset="0"/>
                 <a:cs typeface="Monaco" charset="0"/>
               </a:rPr>
-              <a:t>all w in d </a:t>
-            </a:r>
-            <a:r>
-              <a:rPr lang="en-US" sz="1100" dirty="0" smtClean="0">
+              <a:t>                               </a:t>
+            </a:r>
+          </a:p>
+          <a:p>
+            <a:r>
+              <a:rPr lang="en-US" sz="1100" dirty="0">
                 <a:latin typeface="Monaco" charset="0"/>
                 <a:ea typeface="Monaco" charset="0"/>
                 <a:cs typeface="Monaco" charset="0"/>
               </a:rPr>
-              <a:t>do</a:t>
-            </a:r>
-            <a:r>
-              <a:rPr lang="en-US" sz="1100" dirty="0">
+              <a:t>              	</a:t>
+            </a:r>
+            <a:r>
+              <a:rPr lang="en-US" sz="1100" dirty="0" smtClean="0">
                 <a:latin typeface="Monaco" charset="0"/>
                 <a:ea typeface="Monaco" charset="0"/>
                 <a:cs typeface="Monaco" charset="0"/>
               </a:rPr>
-              <a:t>                               </a:t>
-            </a:r>
-          </a:p>
-          <a:p>
+              <a:t>H </a:t>
+            </a:r>
             <a:r>
               <a:rPr lang="en-US" sz="1100" dirty="0">
                 <a:latin typeface="Monaco" charset="0"/>
                 <a:ea typeface="Monaco" charset="0"/>
                 <a:cs typeface="Monaco" charset="0"/>
               </a:rPr>
-              <a:t>              </a:t>
-            </a:r>
-            <a:r>
-              <a:rPr lang="en-US" sz="1100" dirty="0">
+              <a:t>= new </a:t>
+            </a:r>
+            <a:r>
+              <a:rPr lang="en-US" sz="1100" dirty="0" err="1">
                 <a:latin typeface="Monaco" charset="0"/>
                 <a:ea typeface="Monaco" charset="0"/>
                 <a:cs typeface="Monaco" charset="0"/>
               </a:rPr>
-              <a:t>	</a:t>
+              <a:t>AssociativeArray</a:t>
             </a:r>
             <a:r>
               <a:rPr lang="en-US" sz="1100" dirty="0" smtClean="0">
@@ -13414,7 +13250,7 @@
                 <a:ea typeface="Monaco" charset="0"/>
                 <a:cs typeface="Monaco" charset="0"/>
               </a:rPr>
-              <a:t>H </a:t>
+              <a:t>() </a:t>
             </a:r>
             <a:r>
               <a:rPr lang="en-US" sz="1100" dirty="0">
@@ -13422,59 +13258,27 @@
                 <a:ea typeface="Monaco" charset="0"/>
                 <a:cs typeface="Monaco" charset="0"/>
               </a:rPr>
-              <a:t>= new </a:t>
-            </a:r>
-            <a:r>
-              <a:rPr lang="en-US" sz="1100" dirty="0" err="1">
+              <a:t>                       </a:t>
+            </a:r>
+          </a:p>
+          <a:p>
+            <a:r>
+              <a:rPr lang="en-US" sz="1100" dirty="0">
                 <a:latin typeface="Monaco" charset="0"/>
                 <a:ea typeface="Monaco" charset="0"/>
                 <a:cs typeface="Monaco" charset="0"/>
               </a:rPr>
-              <a:t>AssociativeArray</a:t>
-            </a:r>
-            <a:r>
-              <a:rPr lang="en-US" sz="1100" dirty="0" smtClean="0">
+              <a:t> </a:t>
+            </a:r>
+          </a:p>
+          <a:p>
+            <a:r>
+              <a:rPr lang="en-US" sz="1100" dirty="0">
                 <a:latin typeface="Monaco" charset="0"/>
                 <a:ea typeface="Monaco" charset="0"/>
                 <a:cs typeface="Monaco" charset="0"/>
               </a:rPr>
-              <a:t>() </a:t>
-            </a:r>
-            <a:r>
-              <a:rPr lang="en-US" sz="1100" dirty="0">
-                <a:latin typeface="Monaco" charset="0"/>
-                <a:ea typeface="Monaco" charset="0"/>
-                <a:cs typeface="Monaco" charset="0"/>
-              </a:rPr>
-              <a:t>                       </a:t>
-            </a:r>
-          </a:p>
-          <a:p>
-            <a:r>
-              <a:rPr lang="en-US" sz="1100" dirty="0">
-                <a:latin typeface="Monaco" charset="0"/>
-                <a:ea typeface="Monaco" charset="0"/>
-                <a:cs typeface="Monaco" charset="0"/>
-              </a:rPr>
-              <a:t> </a:t>
-            </a:r>
-          </a:p>
-          <a:p>
-            <a:r>
-              <a:rPr lang="en-US" sz="1100" dirty="0">
-                <a:latin typeface="Monaco" charset="0"/>
-                <a:ea typeface="Monaco" charset="0"/>
-                <a:cs typeface="Monaco" charset="0"/>
-              </a:rPr>
-              <a:t>               </a:t>
-            </a:r>
-            <a:r>
-              <a:rPr lang="en-US" sz="1100" dirty="0">
-                <a:latin typeface="Monaco" charset="0"/>
-                <a:ea typeface="Monaco" charset="0"/>
-                <a:cs typeface="Monaco" charset="0"/>
-              </a:rPr>
-              <a:t>	</a:t>
+              <a:t>               	</a:t>
             </a:r>
             <a:r>
               <a:rPr lang="en-US" sz="1100" dirty="0" smtClean="0">
@@ -13513,15 +13317,7 @@
                 <a:ea typeface="Monaco" charset="0"/>
                 <a:cs typeface="Monaco" charset="0"/>
               </a:rPr>
-              <a:t>                    </a:t>
-            </a:r>
-            <a:r>
-              <a:rPr lang="en-US" sz="1100" dirty="0">
-                <a:latin typeface="Monaco" charset="0"/>
-                <a:ea typeface="Monaco" charset="0"/>
-                <a:cs typeface="Monaco" charset="0"/>
-              </a:rPr>
-              <a:t>	</a:t>
+              <a:t>                    	</a:t>
             </a:r>
             <a:r>
               <a:rPr lang="en-US" sz="1100" dirty="0" smtClean="0">
@@ -13570,49 +13366,33 @@
                 <a:ea typeface="Monaco" charset="0"/>
                 <a:cs typeface="Monaco" charset="0"/>
               </a:rPr>
-              <a:t>               </a:t>
-            </a:r>
-            <a:r>
-              <a:rPr lang="en-US" sz="1100" dirty="0">
+              <a:t>               	</a:t>
+            </a:r>
+            <a:r>
+              <a:rPr lang="en-US" sz="1100" dirty="0" smtClean="0">
                 <a:latin typeface="Monaco" charset="0"/>
                 <a:ea typeface="Monaco" charset="0"/>
                 <a:cs typeface="Monaco" charset="0"/>
               </a:rPr>
-              <a:t>	</a:t>
-            </a:r>
-            <a:r>
-              <a:rPr lang="en-US" sz="1100" dirty="0" smtClean="0">
+              <a:t>if </a:t>
+            </a:r>
+            <a:r>
+              <a:rPr lang="en-US" sz="1100" dirty="0">
                 <a:latin typeface="Monaco" charset="0"/>
                 <a:ea typeface="Monaco" charset="0"/>
                 <a:cs typeface="Monaco" charset="0"/>
               </a:rPr>
-              <a:t>if </a:t>
-            </a:r>
+              <a:t>(G{w} == NULL)</a:t>
+            </a:r>
+          </a:p>
+          <a:p>
             <a:r>
               <a:rPr lang="en-US" sz="1100" dirty="0">
                 <a:latin typeface="Monaco" charset="0"/>
                 <a:ea typeface="Monaco" charset="0"/>
                 <a:cs typeface="Monaco" charset="0"/>
               </a:rPr>
-              <a:t>(G{w} == NULL)</a:t>
-            </a:r>
-          </a:p>
-          <a:p>
-            <a:r>
-              <a:rPr lang="en-US" sz="1100" dirty="0">
-                <a:latin typeface="Monaco" charset="0"/>
-                <a:ea typeface="Monaco" charset="0"/>
-                <a:cs typeface="Monaco" charset="0"/>
-              </a:rPr>
-              <a:t>                 </a:t>
-            </a:r>
-            <a:r>
-              <a:rPr lang="en-US" sz="1100" dirty="0">
-                <a:latin typeface="Monaco" charset="0"/>
-                <a:ea typeface="Monaco" charset="0"/>
-                <a:cs typeface="Monaco" charset="0"/>
-              </a:rPr>
-              <a:t>	</a:t>
+              <a:t>                 	</a:t>
             </a:r>
             <a:r>
               <a:rPr lang="en-US" sz="1100" dirty="0" smtClean="0">
@@ -13697,49 +13477,33 @@
                 <a:ea typeface="Monaco" charset="0"/>
                 <a:cs typeface="Monaco" charset="0"/>
               </a:rPr>
-              <a:t>  </a:t>
-            </a:r>
-            <a:r>
-              <a:rPr lang="en-US" sz="1100" dirty="0">
+              <a:t>  	</a:t>
+            </a:r>
+            <a:r>
+              <a:rPr lang="en-US" sz="1100" dirty="0" smtClean="0">
                 <a:latin typeface="Monaco" charset="0"/>
                 <a:ea typeface="Monaco" charset="0"/>
                 <a:cs typeface="Monaco" charset="0"/>
               </a:rPr>
-              <a:t>	</a:t>
-            </a:r>
-            <a:r>
-              <a:rPr lang="en-US" sz="1100" dirty="0" smtClean="0">
+              <a:t>Method </a:t>
+            </a:r>
+            <a:r>
+              <a:rPr lang="en-US" sz="1100" dirty="0">
                 <a:latin typeface="Monaco" charset="0"/>
                 <a:ea typeface="Monaco" charset="0"/>
                 <a:cs typeface="Monaco" charset="0"/>
               </a:rPr>
-              <a:t>Method </a:t>
-            </a:r>
+              <a:t>close</a:t>
+            </a:r>
+          </a:p>
+          <a:p>
             <a:r>
               <a:rPr lang="en-US" sz="1100" dirty="0">
                 <a:latin typeface="Monaco" charset="0"/>
                 <a:ea typeface="Monaco" charset="0"/>
                 <a:cs typeface="Monaco" charset="0"/>
               </a:rPr>
-              <a:t>close</a:t>
-            </a:r>
-          </a:p>
-          <a:p>
-            <a:r>
-              <a:rPr lang="en-US" sz="1100" dirty="0">
-                <a:latin typeface="Monaco" charset="0"/>
-                <a:ea typeface="Monaco" charset="0"/>
-                <a:cs typeface="Monaco" charset="0"/>
-              </a:rPr>
-              <a:t>        </a:t>
-            </a:r>
-            <a:r>
-              <a:rPr lang="en-US" sz="1100" dirty="0">
-                <a:latin typeface="Monaco" charset="0"/>
-                <a:ea typeface="Monaco" charset="0"/>
-                <a:cs typeface="Monaco" charset="0"/>
-              </a:rPr>
-              <a:t>	</a:t>
+              <a:t>        	</a:t>
             </a:r>
             <a:r>
               <a:rPr lang="en-US" sz="1100" dirty="0" smtClean="0">
@@ -13778,15 +13542,7 @@
                 <a:ea typeface="Monaco" charset="0"/>
                 <a:cs typeface="Monaco" charset="0"/>
               </a:rPr>
-              <a:t>            </a:t>
-            </a:r>
-            <a:r>
-              <a:rPr lang="en-US" sz="1100" dirty="0">
-                <a:latin typeface="Monaco" charset="0"/>
-                <a:ea typeface="Monaco" charset="0"/>
-                <a:cs typeface="Monaco" charset="0"/>
-              </a:rPr>
-              <a:t>	</a:t>
+              <a:t>            	</a:t>
             </a:r>
             <a:r>
               <a:rPr lang="en-US" sz="1100" dirty="0" smtClean="0">
@@ -13873,15 +13629,7 @@
                 <a:ea typeface="Monaco" charset="0"/>
                 <a:cs typeface="Monaco" charset="0"/>
               </a:rPr>
-              <a:t>     </a:t>
-            </a:r>
-            <a:r>
-              <a:rPr lang="en-US" sz="1100" dirty="0">
-                <a:latin typeface="Monaco" charset="0"/>
-                <a:ea typeface="Monaco" charset="0"/>
-                <a:cs typeface="Monaco" charset="0"/>
-              </a:rPr>
-              <a:t>	</a:t>
+              <a:t>     	</a:t>
             </a:r>
             <a:r>
               <a:rPr lang="en-US" sz="1100" dirty="0" smtClean="0">
@@ -13920,15 +13668,7 @@
                 <a:ea typeface="Monaco" charset="0"/>
                 <a:cs typeface="Monaco" charset="0"/>
               </a:rPr>
-              <a:t>          </a:t>
-            </a:r>
-            <a:r>
-              <a:rPr lang="en-US" sz="1100" dirty="0">
-                <a:latin typeface="Monaco" charset="0"/>
-                <a:ea typeface="Monaco" charset="0"/>
-                <a:cs typeface="Monaco" charset="0"/>
-              </a:rPr>
-              <a:t>	</a:t>
+              <a:t>          	</a:t>
             </a:r>
             <a:r>
               <a:rPr lang="en-US" sz="1100" dirty="0" err="1" smtClean="0">
@@ -13985,15 +13725,7 @@
                 <a:ea typeface="Monaco" charset="0"/>
                 <a:cs typeface="Monaco" charset="0"/>
               </a:rPr>
-              <a:t>         </a:t>
-            </a:r>
-            <a:r>
-              <a:rPr lang="en-US" sz="1100" dirty="0">
-                <a:latin typeface="Monaco" charset="0"/>
-                <a:ea typeface="Monaco" charset="0"/>
-                <a:cs typeface="Monaco" charset="0"/>
-              </a:rPr>
-              <a:t>	</a:t>
+              <a:t>         	</a:t>
             </a:r>
             <a:r>
               <a:rPr lang="en-US" sz="1100" dirty="0" smtClean="0">
@@ -14032,15 +13764,7 @@
                 <a:ea typeface="Monaco" charset="0"/>
                 <a:cs typeface="Monaco" charset="0"/>
               </a:rPr>
-              <a:t>              </a:t>
-            </a:r>
-            <a:r>
-              <a:rPr lang="en-US" sz="1100" dirty="0">
-                <a:latin typeface="Monaco" charset="0"/>
-                <a:ea typeface="Monaco" charset="0"/>
-                <a:cs typeface="Monaco" charset="0"/>
-              </a:rPr>
-              <a:t>	</a:t>
+              <a:t>              	</a:t>
             </a:r>
             <a:r>
               <a:rPr lang="en-US" sz="1100" dirty="0" smtClean="0">
@@ -14097,23 +13821,23 @@
                 <a:ea typeface="Monaco" charset="0"/>
                 <a:cs typeface="Monaco" charset="0"/>
               </a:rPr>
-              <a:t>= total(H)       </a:t>
-            </a:r>
-            <a:r>
-              <a:rPr lang="en-US" sz="1100" dirty="0">
+              <a:t>= total(H)       	</a:t>
+            </a:r>
+            <a:r>
+              <a:rPr lang="en-US" sz="1100" dirty="0" smtClean="0">
                 <a:latin typeface="Monaco" charset="0"/>
                 <a:ea typeface="Monaco" charset="0"/>
                 <a:cs typeface="Monaco" charset="0"/>
               </a:rPr>
-              <a:t>	</a:t>
-            </a:r>
-            <a:r>
-              <a:rPr lang="en-US" sz="1100" dirty="0" smtClean="0">
+              <a:t>		// </a:t>
+            </a:r>
+            <a:r>
+              <a:rPr lang="en-US" sz="1100" dirty="0">
                 <a:latin typeface="Monaco" charset="0"/>
                 <a:ea typeface="Monaco" charset="0"/>
                 <a:cs typeface="Monaco" charset="0"/>
               </a:rPr>
-              <a:t>		</a:t>
+              <a:t>total of all values in </a:t>
             </a:r>
             <a:r>
               <a:rPr lang="en-US" sz="1100" dirty="0" smtClean="0">
@@ -14121,7 +13845,7 @@
                 <a:ea typeface="Monaco" charset="0"/>
                 <a:cs typeface="Monaco" charset="0"/>
               </a:rPr>
-              <a:t>// </a:t>
+              <a:t>H</a:t>
             </a:r>
             <a:r>
               <a:rPr lang="en-US" sz="1100" dirty="0">
@@ -14129,41 +13853,17 @@
                 <a:ea typeface="Monaco" charset="0"/>
                 <a:cs typeface="Monaco" charset="0"/>
               </a:rPr>
-              <a:t>total of all values in </a:t>
-            </a:r>
-            <a:r>
-              <a:rPr lang="en-US" sz="1100" dirty="0" smtClean="0">
+              <a:t> </a:t>
+            </a:r>
+          </a:p>
+          <a:p>
+            <a:r>
+              <a:rPr lang="en-US" sz="1100" dirty="0">
                 <a:latin typeface="Monaco" charset="0"/>
                 <a:ea typeface="Monaco" charset="0"/>
                 <a:cs typeface="Monaco" charset="0"/>
               </a:rPr>
-              <a:t>H</a:t>
-            </a:r>
-            <a:r>
-              <a:rPr lang="en-US" sz="1100" dirty="0">
-                <a:latin typeface="Monaco" charset="0"/>
-                <a:ea typeface="Monaco" charset="0"/>
-                <a:cs typeface="Monaco" charset="0"/>
-              </a:rPr>
-              <a:t> </a:t>
-            </a:r>
-          </a:p>
-          <a:p>
-            <a:r>
-              <a:rPr lang="en-US" sz="1100" dirty="0">
-                <a:latin typeface="Monaco" charset="0"/>
-                <a:ea typeface="Monaco" charset="0"/>
-                <a:cs typeface="Monaco" charset="0"/>
-              </a:rPr>
-              <a:t>         </a:t>
-            </a:r>
-            <a:r>
-              <a:rPr lang="en-US" sz="1100" dirty="0">
-                <a:latin typeface="Monaco" charset="0"/>
-                <a:ea typeface="Monaco" charset="0"/>
-                <a:cs typeface="Monaco" charset="0"/>
-              </a:rPr>
-              <a:t>	</a:t>
+              <a:t>         	</a:t>
             </a:r>
             <a:r>
               <a:rPr lang="en-US" sz="1100" dirty="0" smtClean="0">
@@ -14280,11 +13980,7 @@
             </a:r>
             <a:r>
               <a:rPr lang="vi-VN" dirty="0" smtClean="0"/>
-              <a:t> </a:t>
-            </a:r>
-            <a:r>
-              <a:rPr lang="vi-VN" dirty="0" smtClean="0"/>
-              <a:t>Mapper(1)</a:t>
+              <a:t> Mapper(1)</a:t>
             </a:r>
             <a:endParaRPr lang="en-US" dirty="0"/>
           </a:p>
@@ -16221,11 +15917,7 @@
             </a:r>
             <a:r>
               <a:rPr lang="vi-VN" dirty="0" smtClean="0"/>
-              <a:t> </a:t>
-            </a:r>
-            <a:r>
-              <a:rPr lang="vi-VN" dirty="0" smtClean="0"/>
-              <a:t>Mapper(2)</a:t>
+              <a:t> Mapper(2)</a:t>
             </a:r>
             <a:endParaRPr lang="en-US" dirty="0"/>
           </a:p>
@@ -19606,7 +19298,6 @@
               <a:rPr lang="vi-VN" sz="1600" b="1" dirty="0" smtClean="0"/>
               <a:t>Input</a:t>
             </a:r>
-            <a:endParaRPr lang="vi-VN" sz="1600" b="1" dirty="0" smtClean="0"/>
           </a:p>
           <a:p>
             <a:endParaRPr lang="vi-VN" sz="1100" dirty="0" smtClean="0"/>
@@ -19806,11 +19497,7 @@
             </a:r>
             <a:r>
               <a:rPr lang="vi-VN" dirty="0" smtClean="0"/>
-              <a:t> Pseudo </a:t>
-            </a:r>
-            <a:r>
-              <a:rPr lang="vi-VN" dirty="0" smtClean="0"/>
-              <a:t>code</a:t>
+              <a:t> Pseudo code</a:t>
             </a:r>
             <a:endParaRPr lang="en-US" dirty="0"/>
           </a:p>
@@ -28359,7 +28046,6 @@
               <a:rPr lang="en-US" dirty="0" smtClean="0"/>
               <a:t> seconds </a:t>
             </a:r>
-            <a:endParaRPr lang="en-US" dirty="0" smtClean="0"/>
           </a:p>
           <a:p>
             <a:pPr lvl="1"/>
@@ -28379,7 +28065,6 @@
               <a:rPr lang="en-US" dirty="0" smtClean="0"/>
               <a:t>seconds </a:t>
             </a:r>
-            <a:endParaRPr lang="en-US" dirty="0" smtClean="0"/>
           </a:p>
           <a:p>
             <a:pPr lvl="1"/>
@@ -28416,11 +28101,7 @@
             </a:r>
             <a:r>
               <a:rPr lang="en-US" dirty="0" smtClean="0"/>
-              <a:t>Use </a:t>
-            </a:r>
-            <a:r>
-              <a:rPr lang="en-US" dirty="0" smtClean="0"/>
-              <a:t>shell commands:</a:t>
+              <a:t>Use shell commands:</a:t>
             </a:r>
           </a:p>
           <a:p>
@@ -28901,14 +28582,14 @@
             <a:pPr lvl="1"/>
             <a:r>
               <a:rPr lang="en-US" dirty="0" smtClean="0"/>
-              <a:t>Get top 10 IP addresses which have the most requests</a:t>
+              <a:t>Get top 10 days which have the most requests</a:t>
             </a:r>
           </a:p>
           <a:p>
             <a:pPr lvl="1"/>
             <a:r>
               <a:rPr lang="en-US" dirty="0" smtClean="0"/>
-              <a:t>Get top 5 days which have the most requests</a:t>
+              <a:t>Get top 10 requested resources</a:t>
             </a:r>
           </a:p>
           <a:p>
@@ -30819,13 +30500,13 @@
           <a:p>
             <a:r>
               <a:rPr lang="en-US" dirty="0" smtClean="0"/>
-              <a:t>Top10.out.txt: The result of top 10 IP(s) which has the most requests</a:t>
+              <a:t>Top10VisitedDates.out.txt: The result of top days which has the most requests</a:t>
             </a:r>
           </a:p>
           <a:p>
             <a:r>
               <a:rPr lang="en-US" dirty="0" smtClean="0"/>
-              <a:t>Top5.out.txt: The result of top 5 days which has the most requests</a:t>
+              <a:t>Top10RequestedResource.out.txt: The result of top 10 resources (URLs) which are most requested</a:t>
             </a:r>
             <a:endParaRPr lang="en-US" dirty="0"/>
           </a:p>
@@ -34129,12 +33810,6 @@
               </a:rPr>
               <a:t>}</a:t>
             </a:r>
-            <a:endParaRPr lang="en-US" sz="1300" dirty="0" smtClean="0">
-              <a:solidFill>
-                <a:srgbClr val="000000"/>
-              </a:solidFill>
-              <a:latin typeface="Monaco" charset="0"/>
-            </a:endParaRPr>
           </a:p>
         </p:txBody>
       </p:sp>
@@ -36710,11 +36385,7 @@
             </a:r>
             <a:r>
               <a:rPr lang="vi-VN" dirty="0" smtClean="0"/>
-              <a:t> </a:t>
-            </a:r>
-            <a:r>
-              <a:rPr lang="vi-VN" dirty="0" smtClean="0"/>
-              <a:t>Reducer</a:t>
+              <a:t> Reducer</a:t>
             </a:r>
             <a:endParaRPr lang="en-US" dirty="0"/>
           </a:p>
